--- a/apache kafka.pptx
+++ b/apache kafka.pptx
@@ -3670,8 +3670,27 @@
           <a:p>
             <a:r>
               <a:rPr lang="en-US" dirty="0" smtClean="0"/>
-              <a:t>Apache Kafka</a:t>
-            </a:r>
+              <a:t>Apache </a:t>
+            </a:r>
+            <a:r>
+              <a:rPr lang="en-US" dirty="0" smtClean="0"/>
+              <a:t>Kafka</a:t>
+            </a:r>
+          </a:p>
+          <a:p>
+            <a:endParaRPr lang="en-US" dirty="0" smtClean="0"/>
+          </a:p>
+          <a:p>
+            <a:r>
+              <a:rPr lang="en-US" dirty="0" smtClean="0"/>
+              <a:t>@bbaral</a:t>
+            </a:r>
+            <a:endParaRPr lang="en-US" dirty="0" smtClean="0"/>
+          </a:p>
+          <a:p>
+            <a:endParaRPr lang="en-US" dirty="0"/>
+          </a:p>
+          <a:p>
             <a:endParaRPr lang="en-US" dirty="0"/>
           </a:p>
         </p:txBody>
@@ -6654,11 +6673,7 @@
           <a:p>
             <a:r>
               <a:rPr lang="en-US" sz="3600" dirty="0" smtClean="0"/>
-              <a:t>JAVA API </a:t>
-            </a:r>
-            <a:r>
-              <a:rPr lang="en-US" sz="3600" dirty="0" smtClean="0"/>
-              <a:t>KAFKA Producer</a:t>
+              <a:t>JAVA API KAFKA Producer</a:t>
             </a:r>
             <a:endParaRPr lang="en-US" sz="3600" dirty="0"/>
           </a:p>
@@ -6927,7 +6942,6 @@
               <a:rPr lang="en-US" sz="1400" dirty="0" smtClean="0"/>
               <a:t>}</a:t>
             </a:r>
-            <a:endParaRPr lang="en-US" sz="1400" dirty="0" smtClean="0"/>
           </a:p>
         </p:txBody>
       </p:sp>
